--- a/literature/project.pptx
+++ b/literature/project.pptx
@@ -3800,7 +3800,7 @@
           <a:p>
             <a:r>
               <a:rPr lang="en-GB" dirty="0"/>
-              <a:t>project </a:t>
+              <a:t>micc2 project </a:t>
             </a:r>
             <a:r>
               <a:rPr lang="en-GB" dirty="0" err="1"/>
@@ -3853,15 +3853,7 @@
             <a:pPr lvl="1"/>
             <a:r>
               <a:rPr lang="en-GB" dirty="0"/>
-              <a:t>X=G </a:t>
-            </a:r>
-            <a:r>
-              <a:rPr lang="en-GB"/>
-              <a:t>-&gt; Granular </a:t>
-            </a:r>
-            <a:r>
-              <a:rPr lang="en-GB" dirty="0"/>
-              <a:t>Dynamics</a:t>
+              <a:t>X=G -&gt; Granular Dynamics</a:t>
             </a:r>
           </a:p>
           <a:p>
